--- a/Web Cachurero.pptx
+++ b/Web Cachurero.pptx
@@ -8,9 +8,10 @@
     <p:sldId id="256" r:id="rId2"/>
     <p:sldId id="262" r:id="rId3"/>
     <p:sldId id="257" r:id="rId4"/>
-    <p:sldId id="258" r:id="rId5"/>
-    <p:sldId id="260" r:id="rId6"/>
-    <p:sldId id="261" r:id="rId7"/>
+    <p:sldId id="263" r:id="rId5"/>
+    <p:sldId id="258" r:id="rId6"/>
+    <p:sldId id="260" r:id="rId7"/>
+    <p:sldId id="261" r:id="rId8"/>
   </p:sldIdLst>
   <p:sldSz cx="12192000" cy="6858000"/>
   <p:notesSz cx="6858000" cy="9144000"/>
@@ -4016,6 +4017,183 @@
           </a:p>
         </p:txBody>
       </p:sp>
+      <p:sp>
+        <p:nvSpPr>
+          <p:cNvPr id="6" name="Rectángulo 6">
+            <a:extLst>
+              <a:ext uri="{FF2B5EF4-FFF2-40B4-BE49-F238E27FC236}">
+                <a16:creationId xmlns:a16="http://schemas.microsoft.com/office/drawing/2014/main" id="{15A9BB9E-EB2A-47D9-8086-3E09696D25AC}"/>
+              </a:ext>
+            </a:extLst>
+          </p:cNvPr>
+          <p:cNvSpPr/>
+          <p:nvPr/>
+        </p:nvSpPr>
+        <p:spPr>
+          <a:xfrm>
+            <a:off x="152400" y="152400"/>
+            <a:ext cx="653228" cy="668694"/>
+          </a:xfrm>
+          <a:prstGeom prst="rect">
+            <a:avLst/>
+          </a:prstGeom>
+        </p:spPr>
+        <p:style>
+          <a:lnRef idx="2">
+            <a:schemeClr val="accent6">
+              <a:shade val="50000"/>
+            </a:schemeClr>
+          </a:lnRef>
+          <a:fillRef idx="1">
+            <a:schemeClr val="accent6"/>
+          </a:fillRef>
+          <a:effectRef idx="0">
+            <a:schemeClr val="accent6"/>
+          </a:effectRef>
+          <a:fontRef idx="minor">
+            <a:schemeClr val="lt1"/>
+          </a:fontRef>
+        </p:style>
+        <p:txBody>
+          <a:bodyPr rtlCol="0" anchor="ctr"/>
+          <a:lstStyle/>
+          <a:p>
+            <a:pPr algn="ctr"/>
+            <a:endParaRPr lang="es-CL"/>
+          </a:p>
+        </p:txBody>
+      </p:sp>
+      <p:sp>
+        <p:nvSpPr>
+          <p:cNvPr id="8" name="Rectángulo 8">
+            <a:extLst>
+              <a:ext uri="{FF2B5EF4-FFF2-40B4-BE49-F238E27FC236}">
+                <a16:creationId xmlns:a16="http://schemas.microsoft.com/office/drawing/2014/main" id="{B03224F8-E63D-420B-9958-770836555E74}"/>
+              </a:ext>
+            </a:extLst>
+          </p:cNvPr>
+          <p:cNvSpPr/>
+          <p:nvPr/>
+        </p:nvSpPr>
+        <p:spPr>
+          <a:xfrm>
+            <a:off x="11286931" y="152400"/>
+            <a:ext cx="653228" cy="668694"/>
+          </a:xfrm>
+          <a:prstGeom prst="rect">
+            <a:avLst/>
+          </a:prstGeom>
+        </p:spPr>
+        <p:style>
+          <a:lnRef idx="2">
+            <a:schemeClr val="accent6">
+              <a:shade val="50000"/>
+            </a:schemeClr>
+          </a:lnRef>
+          <a:fillRef idx="1">
+            <a:schemeClr val="accent6"/>
+          </a:fillRef>
+          <a:effectRef idx="0">
+            <a:schemeClr val="accent6"/>
+          </a:effectRef>
+          <a:fontRef idx="minor">
+            <a:schemeClr val="lt1"/>
+          </a:fontRef>
+        </p:style>
+        <p:txBody>
+          <a:bodyPr rtlCol="0" anchor="ctr"/>
+          <a:lstStyle/>
+          <a:p>
+            <a:pPr algn="ctr"/>
+            <a:endParaRPr lang="es-CL"/>
+          </a:p>
+        </p:txBody>
+      </p:sp>
+      <p:sp>
+        <p:nvSpPr>
+          <p:cNvPr id="10" name="Rectángulo 10">
+            <a:extLst>
+              <a:ext uri="{FF2B5EF4-FFF2-40B4-BE49-F238E27FC236}">
+                <a16:creationId xmlns:a16="http://schemas.microsoft.com/office/drawing/2014/main" id="{BB5D6FAA-32A0-43C2-A5B6-3843319C2410}"/>
+              </a:ext>
+            </a:extLst>
+          </p:cNvPr>
+          <p:cNvSpPr/>
+          <p:nvPr/>
+        </p:nvSpPr>
+        <p:spPr>
+          <a:xfrm>
+            <a:off x="10556033" y="152400"/>
+            <a:ext cx="653228" cy="668694"/>
+          </a:xfrm>
+          <a:prstGeom prst="rect">
+            <a:avLst/>
+          </a:prstGeom>
+          <a:solidFill>
+            <a:schemeClr val="accent1"/>
+          </a:solidFill>
+        </p:spPr>
+        <p:style>
+          <a:lnRef idx="2">
+            <a:schemeClr val="accent6">
+              <a:shade val="50000"/>
+            </a:schemeClr>
+          </a:lnRef>
+          <a:fillRef idx="1">
+            <a:schemeClr val="accent6"/>
+          </a:fillRef>
+          <a:effectRef idx="0">
+            <a:schemeClr val="accent6"/>
+          </a:effectRef>
+          <a:fontRef idx="minor">
+            <a:schemeClr val="lt1"/>
+          </a:fontRef>
+        </p:style>
+        <p:txBody>
+          <a:bodyPr rtlCol="0" anchor="ctr"/>
+          <a:lstStyle/>
+          <a:p>
+            <a:pPr algn="ctr"/>
+            <a:endParaRPr lang="es-CL"/>
+          </a:p>
+        </p:txBody>
+      </p:sp>
+      <p:pic>
+        <p:nvPicPr>
+          <p:cNvPr id="12" name="Imagen 12">
+            <a:extLst>
+              <a:ext uri="{FF2B5EF4-FFF2-40B4-BE49-F238E27FC236}">
+                <a16:creationId xmlns:a16="http://schemas.microsoft.com/office/drawing/2014/main" id="{456B6082-7EFC-4224-91A6-A56BCEB59097}"/>
+              </a:ext>
+            </a:extLst>
+          </p:cNvPr>
+          <p:cNvPicPr>
+            <a:picLocks noChangeAspect="1"/>
+          </p:cNvPicPr>
+          <p:nvPr/>
+        </p:nvPicPr>
+        <p:blipFill>
+          <a:blip r:embed="rId2">
+            <a:extLst>
+              <a:ext uri="{28A0092B-C50C-407E-A947-70E740481C1C}">
+                <a14:useLocalDpi xmlns:a14="http://schemas.microsoft.com/office/drawing/2010/main" val="0"/>
+              </a:ext>
+            </a:extLst>
+          </a:blip>
+          <a:stretch>
+            <a:fillRect/>
+          </a:stretch>
+        </p:blipFill>
+        <p:spPr>
+          <a:xfrm>
+            <a:off x="8336338" y="115076"/>
+            <a:ext cx="2180860" cy="805970"/>
+          </a:xfrm>
+          <a:prstGeom prst="rect">
+            <a:avLst/>
+          </a:prstGeom>
+        </p:spPr>
+      </p:pic>
     </p:spTree>
     <p:extLst>
       <p:ext uri="{BB962C8B-B14F-4D97-AF65-F5344CB8AC3E}">
@@ -4292,7 +4470,7 @@
         <p:spPr>
           <a:xfrm>
             <a:off x="2127379" y="1919869"/>
-            <a:ext cx="2096984" cy="461665"/>
+            <a:ext cx="5981830" cy="461665"/>
           </a:xfrm>
           <a:prstGeom prst="rect">
             <a:avLst/>
@@ -4307,7 +4485,15 @@
           <a:p>
             <a:r>
               <a:rPr lang="es-ES" sz="2400" dirty="0"/>
-              <a:t>Contacto inicial</a:t>
+              <a:t>Contacto inicial: </a:t>
+            </a:r>
+            <a:r>
+              <a:rPr lang="es-ES" sz="2400" dirty="0" err="1"/>
+              <a:t>Definiciónes</a:t>
+            </a:r>
+            <a:r>
+              <a:rPr lang="es-ES" sz="2400" dirty="0"/>
+              <a:t> de los  Objetivos</a:t>
             </a:r>
             <a:endParaRPr lang="es-CL" sz="2400" dirty="0"/>
           </a:p>
@@ -4364,7 +4550,7 @@
         </p:nvGrpSpPr>
         <p:grpSpPr>
           <a:xfrm>
-            <a:off x="4044117" y="3007568"/>
+            <a:off x="7177937" y="3007568"/>
             <a:ext cx="2168320" cy="2248677"/>
             <a:chOff x="2304661" y="3284376"/>
             <a:chExt cx="2168320" cy="2248677"/>
@@ -4487,7 +4673,7 @@
                     <a:srgbClr val="002060"/>
                   </a:solidFill>
                 </a:rPr>
-                <a:t>Usuario</a:t>
+                <a:t>Historias de Usuario</a:t>
               </a:r>
               <a:endParaRPr lang="es-CL" sz="1400" dirty="0">
                 <a:solidFill>
@@ -4512,10 +4698,10 @@
         </p:nvGrpSpPr>
         <p:grpSpPr>
           <a:xfrm>
-            <a:off x="2127379" y="3007568"/>
-            <a:ext cx="2168320" cy="2248677"/>
+            <a:off x="4524352" y="3007568"/>
+            <a:ext cx="1754156" cy="2248677"/>
             <a:chOff x="2304661" y="3284376"/>
-            <a:chExt cx="2168320" cy="2248677"/>
+            <a:chExt cx="1754156" cy="2248677"/>
           </a:xfrm>
         </p:grpSpPr>
         <p:sp>
@@ -4615,8 +4801,8 @@
           </p:nvSpPr>
           <p:spPr>
             <a:xfrm>
-              <a:off x="2313992" y="3540194"/>
-              <a:ext cx="2158989" cy="307777"/>
+              <a:off x="2313993" y="3540194"/>
+              <a:ext cx="1744824" cy="307777"/>
             </a:xfrm>
             <a:prstGeom prst="rect">
               <a:avLst/>
@@ -4660,7 +4846,7 @@
         </p:nvSpPr>
         <p:spPr>
           <a:xfrm>
-            <a:off x="2136710" y="3868239"/>
+            <a:off x="4533683" y="3868239"/>
             <a:ext cx="2158989" cy="523220"/>
           </a:xfrm>
           <a:prstGeom prst="rect">
@@ -4714,7 +4900,7 @@
         </p:nvSpPr>
         <p:spPr>
           <a:xfrm>
-            <a:off x="4053448" y="3858083"/>
+            <a:off x="7187268" y="3858083"/>
             <a:ext cx="2158989" cy="738664"/>
           </a:xfrm>
           <a:prstGeom prst="rect">
@@ -4761,6 +4947,300 @@
                 <a:srgbClr val="002060"/>
               </a:solidFill>
             </a:endParaRPr>
+          </a:p>
+        </p:txBody>
+      </p:sp>
+      <p:grpSp>
+        <p:nvGrpSpPr>
+          <p:cNvPr id="19" name="Grupo 29">
+            <a:extLst>
+              <a:ext uri="{FF2B5EF4-FFF2-40B4-BE49-F238E27FC236}">
+                <a16:creationId xmlns:a16="http://schemas.microsoft.com/office/drawing/2014/main" id="{EFF8521E-967D-4317-A05C-E36AAB1ABA3E}"/>
+              </a:ext>
+            </a:extLst>
+          </p:cNvPr>
+          <p:cNvGrpSpPr/>
+          <p:nvPr/>
+        </p:nvGrpSpPr>
+        <p:grpSpPr>
+          <a:xfrm>
+            <a:off x="1707502" y="3000910"/>
+            <a:ext cx="2168320" cy="2248677"/>
+            <a:chOff x="2304661" y="3284376"/>
+            <a:chExt cx="2168320" cy="2248677"/>
+          </a:xfrm>
+        </p:grpSpPr>
+        <p:sp>
+          <p:nvSpPr>
+            <p:cNvPr id="20" name="Rectángulo: esquinas redondeadas 30">
+              <a:extLst>
+                <a:ext uri="{FF2B5EF4-FFF2-40B4-BE49-F238E27FC236}">
+                  <a16:creationId xmlns:a16="http://schemas.microsoft.com/office/drawing/2014/main" id="{87436D4D-30E9-4832-A781-060A7C607120}"/>
+                </a:ext>
+              </a:extLst>
+            </p:cNvPr>
+            <p:cNvSpPr/>
+            <p:nvPr/>
+          </p:nvSpPr>
+          <p:spPr>
+            <a:xfrm>
+              <a:off x="2304661" y="3284376"/>
+              <a:ext cx="1754155" cy="2248677"/>
+            </a:xfrm>
+            <a:prstGeom prst="roundRect">
+              <a:avLst/>
+            </a:prstGeom>
+            <a:noFill/>
+          </p:spPr>
+          <p:style>
+            <a:lnRef idx="2">
+              <a:schemeClr val="accent1">
+                <a:shade val="50000"/>
+              </a:schemeClr>
+            </a:lnRef>
+            <a:fillRef idx="1">
+              <a:schemeClr val="accent1"/>
+            </a:fillRef>
+            <a:effectRef idx="0">
+              <a:schemeClr val="accent1"/>
+            </a:effectRef>
+            <a:fontRef idx="minor">
+              <a:schemeClr val="lt1"/>
+            </a:fontRef>
+          </p:style>
+          <p:txBody>
+            <a:bodyPr rtlCol="0" anchor="ctr"/>
+            <a:lstStyle/>
+            <a:p>
+              <a:pPr algn="ctr"/>
+              <a:endParaRPr lang="es-CL"/>
+            </a:p>
+          </p:txBody>
+        </p:sp>
+        <p:cxnSp>
+          <p:nvCxnSpPr>
+            <p:cNvPr id="21" name="Conector recto 31">
+              <a:extLst>
+                <a:ext uri="{FF2B5EF4-FFF2-40B4-BE49-F238E27FC236}">
+                  <a16:creationId xmlns:a16="http://schemas.microsoft.com/office/drawing/2014/main" id="{F62A3D74-3FA1-45BB-930C-E487B874F7E4}"/>
+                </a:ext>
+              </a:extLst>
+            </p:cNvPr>
+            <p:cNvCxnSpPr/>
+            <p:nvPr/>
+          </p:nvCxnSpPr>
+          <p:spPr>
+            <a:xfrm>
+              <a:off x="2304661" y="3946849"/>
+              <a:ext cx="1754155" cy="0"/>
+            </a:xfrm>
+            <a:prstGeom prst="line">
+              <a:avLst/>
+            </a:prstGeom>
+          </p:spPr>
+          <p:style>
+            <a:lnRef idx="1">
+              <a:schemeClr val="accent1"/>
+            </a:lnRef>
+            <a:fillRef idx="0">
+              <a:schemeClr val="accent1"/>
+            </a:fillRef>
+            <a:effectRef idx="0">
+              <a:schemeClr val="accent1"/>
+            </a:effectRef>
+            <a:fontRef idx="minor">
+              <a:schemeClr val="tx1"/>
+            </a:fontRef>
+          </p:style>
+        </p:cxnSp>
+        <p:sp>
+          <p:nvSpPr>
+            <p:cNvPr id="22" name="CuadroTexto 32">
+              <a:extLst>
+                <a:ext uri="{FF2B5EF4-FFF2-40B4-BE49-F238E27FC236}">
+                  <a16:creationId xmlns:a16="http://schemas.microsoft.com/office/drawing/2014/main" id="{616A170A-9ECF-4710-B188-A0EAD3F7BF6B}"/>
+                </a:ext>
+              </a:extLst>
+            </p:cNvPr>
+            <p:cNvSpPr txBox="1"/>
+            <p:nvPr/>
+          </p:nvSpPr>
+          <p:spPr>
+            <a:xfrm>
+              <a:off x="2313992" y="3540194"/>
+              <a:ext cx="2158989" cy="307777"/>
+            </a:xfrm>
+            <a:prstGeom prst="rect">
+              <a:avLst/>
+            </a:prstGeom>
+            <a:noFill/>
+          </p:spPr>
+          <p:txBody>
+            <a:bodyPr wrap="square" rtlCol="0">
+              <a:spAutoFit/>
+            </a:bodyPr>
+            <a:lstStyle/>
+            <a:p>
+              <a:r>
+                <a:rPr lang="es-ES" sz="1400" dirty="0">
+                  <a:solidFill>
+                    <a:srgbClr val="002060"/>
+                  </a:solidFill>
+                </a:rPr>
+                <a:t>Posibles ideas</a:t>
+              </a:r>
+              <a:endParaRPr lang="es-CL" sz="1400" dirty="0">
+                <a:solidFill>
+                  <a:srgbClr val="002060"/>
+                </a:solidFill>
+              </a:endParaRPr>
+            </a:p>
+          </p:txBody>
+        </p:sp>
+      </p:grpSp>
+      <p:sp>
+        <p:nvSpPr>
+          <p:cNvPr id="2" name="CuadroTexto 34">
+            <a:extLst>
+              <a:ext uri="{FF2B5EF4-FFF2-40B4-BE49-F238E27FC236}">
+                <a16:creationId xmlns:a16="http://schemas.microsoft.com/office/drawing/2014/main" id="{6441BBD8-6638-4C16-AC15-17CA14878A22}"/>
+              </a:ext>
+            </a:extLst>
+          </p:cNvPr>
+          <p:cNvSpPr txBox="1"/>
+          <p:nvPr/>
+        </p:nvSpPr>
+        <p:spPr>
+          <a:xfrm>
+            <a:off x="1707502" y="3883826"/>
+            <a:ext cx="2158989" cy="523220"/>
+          </a:xfrm>
+          <a:prstGeom prst="rect">
+            <a:avLst/>
+          </a:prstGeom>
+          <a:noFill/>
+        </p:spPr>
+        <p:txBody>
+          <a:bodyPr wrap="square" rtlCol="0">
+            <a:spAutoFit/>
+          </a:bodyPr>
+          <a:lstStyle/>
+          <a:p>
+            <a:r>
+              <a:rPr lang="es-ES" sz="1400" dirty="0">
+                <a:solidFill>
+                  <a:srgbClr val="002060"/>
+                </a:solidFill>
+              </a:rPr>
+              <a:t>Herramientas: </a:t>
+            </a:r>
+          </a:p>
+          <a:p>
+            <a:r>
+              <a:rPr lang="es-ES" sz="1400" dirty="0" err="1">
+                <a:solidFill>
+                  <a:srgbClr val="002060"/>
+                </a:solidFill>
+              </a:rPr>
+              <a:t>Mindmeister</a:t>
+            </a:r>
+            <a:endParaRPr lang="es-CL" sz="1400" dirty="0">
+              <a:solidFill>
+                <a:srgbClr val="002060"/>
+              </a:solidFill>
+            </a:endParaRPr>
+          </a:p>
+        </p:txBody>
+      </p:sp>
+      <p:sp>
+        <p:nvSpPr>
+          <p:cNvPr id="3" name="Seta: para a Direita 2">
+            <a:extLst>
+              <a:ext uri="{FF2B5EF4-FFF2-40B4-BE49-F238E27FC236}">
+                <a16:creationId xmlns:a16="http://schemas.microsoft.com/office/drawing/2014/main" id="{FD1CA6D3-98CE-4211-A306-FDD761938D57}"/>
+              </a:ext>
+            </a:extLst>
+          </p:cNvPr>
+          <p:cNvSpPr/>
+          <p:nvPr/>
+        </p:nvSpPr>
+        <p:spPr>
+          <a:xfrm>
+            <a:off x="3779713" y="3820323"/>
+            <a:ext cx="488551" cy="592641"/>
+          </a:xfrm>
+          <a:prstGeom prst="rightArrow">
+            <a:avLst/>
+          </a:prstGeom>
+        </p:spPr>
+        <p:style>
+          <a:lnRef idx="2">
+            <a:schemeClr val="accent1">
+              <a:shade val="50000"/>
+            </a:schemeClr>
+          </a:lnRef>
+          <a:fillRef idx="1">
+            <a:schemeClr val="accent1"/>
+          </a:fillRef>
+          <a:effectRef idx="0">
+            <a:schemeClr val="accent1"/>
+          </a:effectRef>
+          <a:fontRef idx="minor">
+            <a:schemeClr val="lt1"/>
+          </a:fontRef>
+        </p:style>
+        <p:txBody>
+          <a:bodyPr rtlCol="0" anchor="ctr"/>
+          <a:lstStyle/>
+          <a:p>
+            <a:pPr algn="ctr"/>
+            <a:endParaRPr lang="pt-BR"/>
+          </a:p>
+        </p:txBody>
+      </p:sp>
+      <p:sp>
+        <p:nvSpPr>
+          <p:cNvPr id="4" name="Seta: para a Direita 3">
+            <a:extLst>
+              <a:ext uri="{FF2B5EF4-FFF2-40B4-BE49-F238E27FC236}">
+                <a16:creationId xmlns:a16="http://schemas.microsoft.com/office/drawing/2014/main" id="{0748F91B-EC4A-4566-A230-F836D6DE676B}"/>
+              </a:ext>
+            </a:extLst>
+          </p:cNvPr>
+          <p:cNvSpPr/>
+          <p:nvPr/>
+        </p:nvSpPr>
+        <p:spPr>
+          <a:xfrm>
+            <a:off x="6481229" y="3798818"/>
+            <a:ext cx="488551" cy="592641"/>
+          </a:xfrm>
+          <a:prstGeom prst="rightArrow">
+            <a:avLst/>
+          </a:prstGeom>
+        </p:spPr>
+        <p:style>
+          <a:lnRef idx="2">
+            <a:schemeClr val="accent1">
+              <a:shade val="50000"/>
+            </a:schemeClr>
+          </a:lnRef>
+          <a:fillRef idx="1">
+            <a:schemeClr val="accent1"/>
+          </a:fillRef>
+          <a:effectRef idx="0">
+            <a:schemeClr val="accent1"/>
+          </a:effectRef>
+          <a:fontRef idx="minor">
+            <a:schemeClr val="lt1"/>
+          </a:fontRef>
+        </p:style>
+        <p:txBody>
+          <a:bodyPr rtlCol="0" anchor="ctr"/>
+          <a:lstStyle/>
+          <a:p>
+            <a:pPr algn="ctr"/>
+            <a:endParaRPr lang="pt-BR"/>
           </a:p>
         </p:txBody>
       </p:sp>
@@ -5040,7 +5520,7 @@
         <p:spPr>
           <a:xfrm>
             <a:off x="2127379" y="1919869"/>
-            <a:ext cx="1757854" cy="461665"/>
+            <a:ext cx="2906821" cy="461665"/>
           </a:xfrm>
           <a:prstGeom prst="rect">
             <a:avLst/>
@@ -5054,8 +5534,993 @@
           <a:lstStyle/>
           <a:p>
             <a:r>
+              <a:rPr lang="es-ES" sz="2400" dirty="0" err="1"/>
+              <a:t>Modología</a:t>
+            </a:r>
+            <a:r>
               <a:rPr lang="es-ES" sz="2400" dirty="0"/>
-              <a:t>Planificación</a:t>
+              <a:t> de Trabajo</a:t>
+            </a:r>
+            <a:endParaRPr lang="es-CL" sz="2400" dirty="0"/>
+          </a:p>
+        </p:txBody>
+      </p:sp>
+      <p:cxnSp>
+        <p:nvCxnSpPr>
+          <p:cNvPr id="17" name="Conector recto 16">
+            <a:extLst>
+              <a:ext uri="{FF2B5EF4-FFF2-40B4-BE49-F238E27FC236}">
+                <a16:creationId xmlns:a16="http://schemas.microsoft.com/office/drawing/2014/main" id="{1D276C26-49E9-43E2-9FA7-4F1871E514CA}"/>
+              </a:ext>
+            </a:extLst>
+          </p:cNvPr>
+          <p:cNvCxnSpPr/>
+          <p:nvPr/>
+        </p:nvCxnSpPr>
+        <p:spPr>
+          <a:xfrm>
+            <a:off x="2127379" y="2351315"/>
+            <a:ext cx="6550090" cy="0"/>
+          </a:xfrm>
+          <a:prstGeom prst="line">
+            <a:avLst/>
+          </a:prstGeom>
+          <a:ln w="38100"/>
+        </p:spPr>
+        <p:style>
+          <a:lnRef idx="1">
+            <a:schemeClr val="accent1"/>
+          </a:lnRef>
+          <a:fillRef idx="0">
+            <a:schemeClr val="accent1"/>
+          </a:fillRef>
+          <a:effectRef idx="0">
+            <a:schemeClr val="accent1"/>
+          </a:effectRef>
+          <a:fontRef idx="minor">
+            <a:schemeClr val="tx1"/>
+          </a:fontRef>
+        </p:style>
+      </p:cxnSp>
+      <p:sp>
+        <p:nvSpPr>
+          <p:cNvPr id="20" name="Rectángulo: esquinas redondeadas 30">
+            <a:extLst>
+              <a:ext uri="{FF2B5EF4-FFF2-40B4-BE49-F238E27FC236}">
+                <a16:creationId xmlns:a16="http://schemas.microsoft.com/office/drawing/2014/main" id="{87436D4D-30E9-4832-A781-060A7C607120}"/>
+              </a:ext>
+            </a:extLst>
+          </p:cNvPr>
+          <p:cNvSpPr/>
+          <p:nvPr/>
+        </p:nvSpPr>
+        <p:spPr>
+          <a:xfrm>
+            <a:off x="3048819" y="4195599"/>
+            <a:ext cx="1728625" cy="479528"/>
+          </a:xfrm>
+          <a:prstGeom prst="roundRect">
+            <a:avLst/>
+          </a:prstGeom>
+          <a:noFill/>
+        </p:spPr>
+        <p:style>
+          <a:lnRef idx="2">
+            <a:schemeClr val="accent1">
+              <a:shade val="50000"/>
+            </a:schemeClr>
+          </a:lnRef>
+          <a:fillRef idx="1">
+            <a:schemeClr val="accent1"/>
+          </a:fillRef>
+          <a:effectRef idx="0">
+            <a:schemeClr val="accent1"/>
+          </a:effectRef>
+          <a:fontRef idx="minor">
+            <a:schemeClr val="lt1"/>
+          </a:fontRef>
+        </p:style>
+        <p:txBody>
+          <a:bodyPr rtlCol="0" anchor="ctr"/>
+          <a:lstStyle/>
+          <a:p>
+            <a:pPr algn="ctr"/>
+            <a:endParaRPr lang="es-CL"/>
+          </a:p>
+        </p:txBody>
+      </p:sp>
+      <p:sp>
+        <p:nvSpPr>
+          <p:cNvPr id="2" name="CuadroTexto 34">
+            <a:extLst>
+              <a:ext uri="{FF2B5EF4-FFF2-40B4-BE49-F238E27FC236}">
+                <a16:creationId xmlns:a16="http://schemas.microsoft.com/office/drawing/2014/main" id="{6441BBD8-6638-4C16-AC15-17CA14878A22}"/>
+              </a:ext>
+            </a:extLst>
+          </p:cNvPr>
+          <p:cNvSpPr txBox="1"/>
+          <p:nvPr/>
+        </p:nvSpPr>
+        <p:spPr>
+          <a:xfrm>
+            <a:off x="3048820" y="4265252"/>
+            <a:ext cx="1743238" cy="307777"/>
+          </a:xfrm>
+          <a:prstGeom prst="rect">
+            <a:avLst/>
+          </a:prstGeom>
+          <a:noFill/>
+        </p:spPr>
+        <p:txBody>
+          <a:bodyPr wrap="square" rtlCol="0">
+            <a:spAutoFit/>
+          </a:bodyPr>
+          <a:lstStyle/>
+          <a:p>
+            <a:pPr marL="285750" indent="-285750">
+              <a:buFont typeface="Arial" panose="020B0604020202020204" pitchFamily="34" charset="0"/>
+              <a:buChar char="•"/>
+            </a:pPr>
+            <a:r>
+              <a:rPr lang="es-ES" sz="1400" dirty="0">
+                <a:solidFill>
+                  <a:srgbClr val="002060"/>
+                </a:solidFill>
+              </a:rPr>
+              <a:t>Backlog de Sprint </a:t>
+            </a:r>
+          </a:p>
+        </p:txBody>
+      </p:sp>
+      <p:sp>
+        <p:nvSpPr>
+          <p:cNvPr id="5" name="Seta: Circular 4">
+            <a:extLst>
+              <a:ext uri="{FF2B5EF4-FFF2-40B4-BE49-F238E27FC236}">
+                <a16:creationId xmlns:a16="http://schemas.microsoft.com/office/drawing/2014/main" id="{7639FF95-A014-49C7-A780-C95D57874D0D}"/>
+              </a:ext>
+            </a:extLst>
+          </p:cNvPr>
+          <p:cNvSpPr/>
+          <p:nvPr/>
+        </p:nvSpPr>
+        <p:spPr>
+          <a:xfrm rot="10800000" flipV="1">
+            <a:off x="4964178" y="2873139"/>
+            <a:ext cx="2382611" cy="2248677"/>
+          </a:xfrm>
+          <a:prstGeom prst="circularArrow">
+            <a:avLst>
+              <a:gd name="adj1" fmla="val 9365"/>
+              <a:gd name="adj2" fmla="val 996568"/>
+              <a:gd name="adj3" fmla="val 1019318"/>
+              <a:gd name="adj4" fmla="val 5403521"/>
+              <a:gd name="adj5" fmla="val 12500"/>
+            </a:avLst>
+          </a:prstGeom>
+          <a:ln>
+            <a:noFill/>
+          </a:ln>
+        </p:spPr>
+        <p:style>
+          <a:lnRef idx="2">
+            <a:schemeClr val="accent1">
+              <a:shade val="50000"/>
+            </a:schemeClr>
+          </a:lnRef>
+          <a:fillRef idx="1">
+            <a:schemeClr val="accent1"/>
+          </a:fillRef>
+          <a:effectRef idx="0">
+            <a:schemeClr val="accent1"/>
+          </a:effectRef>
+          <a:fontRef idx="minor">
+            <a:schemeClr val="lt1"/>
+          </a:fontRef>
+        </p:style>
+        <p:txBody>
+          <a:bodyPr rtlCol="0" anchor="ctr"/>
+          <a:lstStyle/>
+          <a:p>
+            <a:pPr algn="ctr"/>
+            <a:endParaRPr lang="pt-BR" dirty="0">
+              <a:solidFill>
+                <a:schemeClr val="tx1"/>
+              </a:solidFill>
+            </a:endParaRPr>
+          </a:p>
+        </p:txBody>
+      </p:sp>
+      <p:sp>
+        <p:nvSpPr>
+          <p:cNvPr id="6" name="Retângulo 5">
+            <a:extLst>
+              <a:ext uri="{FF2B5EF4-FFF2-40B4-BE49-F238E27FC236}">
+                <a16:creationId xmlns:a16="http://schemas.microsoft.com/office/drawing/2014/main" id="{8BBD549F-E25F-4482-8551-9DE13F9AF933}"/>
+              </a:ext>
+            </a:extLst>
+          </p:cNvPr>
+          <p:cNvSpPr/>
+          <p:nvPr/>
+        </p:nvSpPr>
+        <p:spPr>
+          <a:xfrm>
+            <a:off x="3048819" y="4736276"/>
+            <a:ext cx="3149278" cy="214820"/>
+          </a:xfrm>
+          <a:prstGeom prst="rect">
+            <a:avLst/>
+          </a:prstGeom>
+          <a:ln>
+            <a:noFill/>
+          </a:ln>
+        </p:spPr>
+        <p:style>
+          <a:lnRef idx="2">
+            <a:schemeClr val="accent1">
+              <a:shade val="50000"/>
+            </a:schemeClr>
+          </a:lnRef>
+          <a:fillRef idx="1">
+            <a:schemeClr val="accent1"/>
+          </a:fillRef>
+          <a:effectRef idx="0">
+            <a:schemeClr val="accent1"/>
+          </a:effectRef>
+          <a:fontRef idx="minor">
+            <a:schemeClr val="lt1"/>
+          </a:fontRef>
+        </p:style>
+        <p:txBody>
+          <a:bodyPr rtlCol="0" anchor="ctr"/>
+          <a:lstStyle/>
+          <a:p>
+            <a:pPr algn="ctr"/>
+            <a:endParaRPr lang="pt-BR"/>
+          </a:p>
+        </p:txBody>
+      </p:sp>
+      <p:sp>
+        <p:nvSpPr>
+          <p:cNvPr id="8" name="Seta: para a Direita 7">
+            <a:extLst>
+              <a:ext uri="{FF2B5EF4-FFF2-40B4-BE49-F238E27FC236}">
+                <a16:creationId xmlns:a16="http://schemas.microsoft.com/office/drawing/2014/main" id="{81A2F0AC-867D-4CD5-9CE4-80E300B519C5}"/>
+              </a:ext>
+            </a:extLst>
+          </p:cNvPr>
+          <p:cNvSpPr/>
+          <p:nvPr/>
+        </p:nvSpPr>
+        <p:spPr>
+          <a:xfrm>
+            <a:off x="5969406" y="4684016"/>
+            <a:ext cx="1780211" cy="323850"/>
+          </a:xfrm>
+          <a:prstGeom prst="rightArrow">
+            <a:avLst>
+              <a:gd name="adj1" fmla="val 63403"/>
+              <a:gd name="adj2" fmla="val 55298"/>
+            </a:avLst>
+          </a:prstGeom>
+          <a:ln>
+            <a:noFill/>
+          </a:ln>
+        </p:spPr>
+        <p:style>
+          <a:lnRef idx="2">
+            <a:schemeClr val="accent1">
+              <a:shade val="50000"/>
+            </a:schemeClr>
+          </a:lnRef>
+          <a:fillRef idx="1">
+            <a:schemeClr val="accent1"/>
+          </a:fillRef>
+          <a:effectRef idx="0">
+            <a:schemeClr val="accent1"/>
+          </a:effectRef>
+          <a:fontRef idx="minor">
+            <a:schemeClr val="lt1"/>
+          </a:fontRef>
+        </p:style>
+        <p:txBody>
+          <a:bodyPr rtlCol="0" anchor="ctr"/>
+          <a:lstStyle/>
+          <a:p>
+            <a:pPr algn="ctr"/>
+            <a:endParaRPr lang="pt-BR"/>
+          </a:p>
+        </p:txBody>
+      </p:sp>
+      <p:sp>
+        <p:nvSpPr>
+          <p:cNvPr id="34" name="CaixaDeTexto 33">
+            <a:extLst>
+              <a:ext uri="{FF2B5EF4-FFF2-40B4-BE49-F238E27FC236}">
+                <a16:creationId xmlns:a16="http://schemas.microsoft.com/office/drawing/2014/main" id="{385BE76A-FA19-49EB-92EA-5516A0C99FD3}"/>
+              </a:ext>
+            </a:extLst>
+          </p:cNvPr>
+          <p:cNvSpPr txBox="1"/>
+          <p:nvPr/>
+        </p:nvSpPr>
+        <p:spPr>
+          <a:xfrm>
+            <a:off x="5536680" y="3604340"/>
+            <a:ext cx="1322832" cy="646331"/>
+          </a:xfrm>
+          <a:prstGeom prst="rect">
+            <a:avLst/>
+          </a:prstGeom>
+          <a:noFill/>
+        </p:spPr>
+        <p:txBody>
+          <a:bodyPr wrap="square">
+            <a:spAutoFit/>
+          </a:bodyPr>
+          <a:lstStyle/>
+          <a:p>
+            <a:r>
+              <a:rPr lang="es-ES" sz="1800" dirty="0" err="1">
+                <a:solidFill>
+                  <a:srgbClr val="002060"/>
+                </a:solidFill>
+              </a:rPr>
+              <a:t>Sprints</a:t>
+            </a:r>
+            <a:r>
+              <a:rPr lang="es-ES" sz="1800" dirty="0">
+                <a:solidFill>
+                  <a:srgbClr val="002060"/>
+                </a:solidFill>
+              </a:rPr>
+              <a:t> de </a:t>
+            </a:r>
+          </a:p>
+          <a:p>
+            <a:r>
+              <a:rPr lang="es-ES" sz="1800" dirty="0">
+                <a:solidFill>
+                  <a:srgbClr val="002060"/>
+                </a:solidFill>
+              </a:rPr>
+              <a:t>7 días</a:t>
+            </a:r>
+          </a:p>
+        </p:txBody>
+      </p:sp>
+      <p:sp>
+        <p:nvSpPr>
+          <p:cNvPr id="18" name="Rectángulo: esquinas redondeadas 30">
+            <a:extLst>
+              <a:ext uri="{FF2B5EF4-FFF2-40B4-BE49-F238E27FC236}">
+                <a16:creationId xmlns:a16="http://schemas.microsoft.com/office/drawing/2014/main" id="{1060706E-B8AE-4914-A501-AE2DBA0C7649}"/>
+              </a:ext>
+            </a:extLst>
+          </p:cNvPr>
+          <p:cNvSpPr/>
+          <p:nvPr/>
+        </p:nvSpPr>
+        <p:spPr>
+          <a:xfrm>
+            <a:off x="7249872" y="3109411"/>
+            <a:ext cx="3132723" cy="961510"/>
+          </a:xfrm>
+          <a:prstGeom prst="roundRect">
+            <a:avLst/>
+          </a:prstGeom>
+          <a:noFill/>
+        </p:spPr>
+        <p:style>
+          <a:lnRef idx="2">
+            <a:schemeClr val="accent1">
+              <a:shade val="50000"/>
+            </a:schemeClr>
+          </a:lnRef>
+          <a:fillRef idx="1">
+            <a:schemeClr val="accent1"/>
+          </a:fillRef>
+          <a:effectRef idx="0">
+            <a:schemeClr val="accent1"/>
+          </a:effectRef>
+          <a:fontRef idx="minor">
+            <a:schemeClr val="lt1"/>
+          </a:fontRef>
+        </p:style>
+        <p:txBody>
+          <a:bodyPr rtlCol="0" anchor="ctr"/>
+          <a:lstStyle/>
+          <a:p>
+            <a:pPr algn="ctr"/>
+            <a:endParaRPr lang="es-CL"/>
+          </a:p>
+        </p:txBody>
+      </p:sp>
+      <p:sp>
+        <p:nvSpPr>
+          <p:cNvPr id="23" name="CuadroTexto 34">
+            <a:extLst>
+              <a:ext uri="{FF2B5EF4-FFF2-40B4-BE49-F238E27FC236}">
+                <a16:creationId xmlns:a16="http://schemas.microsoft.com/office/drawing/2014/main" id="{12FBA22E-42DC-48A9-861B-B71CBD03C556}"/>
+              </a:ext>
+            </a:extLst>
+          </p:cNvPr>
+          <p:cNvSpPr txBox="1"/>
+          <p:nvPr/>
+        </p:nvSpPr>
+        <p:spPr>
+          <a:xfrm>
+            <a:off x="7249872" y="3179064"/>
+            <a:ext cx="3035187" cy="523220"/>
+          </a:xfrm>
+          <a:prstGeom prst="rect">
+            <a:avLst/>
+          </a:prstGeom>
+          <a:noFill/>
+        </p:spPr>
+        <p:txBody>
+          <a:bodyPr wrap="square" rtlCol="0">
+            <a:spAutoFit/>
+          </a:bodyPr>
+          <a:lstStyle/>
+          <a:p>
+            <a:pPr marL="285750" indent="-285750">
+              <a:buFont typeface="Arial" panose="020B0604020202020204" pitchFamily="34" charset="0"/>
+              <a:buChar char="•"/>
+            </a:pPr>
+            <a:r>
+              <a:rPr lang="pt-BR" sz="1400" dirty="0" err="1">
+                <a:solidFill>
+                  <a:srgbClr val="002060"/>
+                </a:solidFill>
+              </a:rPr>
+              <a:t>Reuniones</a:t>
+            </a:r>
+            <a:r>
+              <a:rPr lang="pt-BR" sz="1400" dirty="0">
+                <a:solidFill>
+                  <a:srgbClr val="002060"/>
+                </a:solidFill>
+              </a:rPr>
+              <a:t> de </a:t>
+            </a:r>
+            <a:r>
+              <a:rPr lang="pt-BR" sz="1400" dirty="0" err="1">
+                <a:solidFill>
+                  <a:srgbClr val="002060"/>
+                </a:solidFill>
+              </a:rPr>
+              <a:t>Priorizaciones</a:t>
+            </a:r>
+            <a:endParaRPr lang="pt-BR" sz="1400" dirty="0">
+              <a:solidFill>
+                <a:srgbClr val="002060"/>
+              </a:solidFill>
+            </a:endParaRPr>
+          </a:p>
+          <a:p>
+            <a:pPr marL="285750" indent="-285750">
+              <a:buFont typeface="Arial" panose="020B0604020202020204" pitchFamily="34" charset="0"/>
+              <a:buChar char="•"/>
+            </a:pPr>
+            <a:r>
+              <a:rPr lang="pt-BR" sz="1400" dirty="0" err="1">
+                <a:solidFill>
+                  <a:srgbClr val="002060"/>
+                </a:solidFill>
+              </a:rPr>
+              <a:t>División</a:t>
+            </a:r>
+            <a:r>
+              <a:rPr lang="pt-BR" sz="1400" dirty="0">
+                <a:solidFill>
+                  <a:srgbClr val="002060"/>
+                </a:solidFill>
+              </a:rPr>
+              <a:t> de </a:t>
+            </a:r>
+            <a:r>
+              <a:rPr lang="pt-BR" sz="1400" dirty="0" err="1">
+                <a:solidFill>
+                  <a:srgbClr val="002060"/>
+                </a:solidFill>
+              </a:rPr>
+              <a:t>Tareas</a:t>
+            </a:r>
+            <a:endParaRPr lang="es-ES" sz="1400" dirty="0">
+              <a:solidFill>
+                <a:srgbClr val="002060"/>
+              </a:solidFill>
+            </a:endParaRPr>
+          </a:p>
+        </p:txBody>
+      </p:sp>
+      <p:sp>
+        <p:nvSpPr>
+          <p:cNvPr id="46" name="Rectángulo: esquinas redondeadas 30">
+            <a:extLst>
+              <a:ext uri="{FF2B5EF4-FFF2-40B4-BE49-F238E27FC236}">
+                <a16:creationId xmlns:a16="http://schemas.microsoft.com/office/drawing/2014/main" id="{52E4B533-F58A-4215-AAD6-7CCFF03A32EF}"/>
+              </a:ext>
+            </a:extLst>
+          </p:cNvPr>
+          <p:cNvSpPr/>
+          <p:nvPr/>
+        </p:nvSpPr>
+        <p:spPr>
+          <a:xfrm>
+            <a:off x="7848679" y="4605474"/>
+            <a:ext cx="2230515" cy="479528"/>
+          </a:xfrm>
+          <a:prstGeom prst="roundRect">
+            <a:avLst/>
+          </a:prstGeom>
+          <a:noFill/>
+        </p:spPr>
+        <p:style>
+          <a:lnRef idx="2">
+            <a:schemeClr val="accent1">
+              <a:shade val="50000"/>
+            </a:schemeClr>
+          </a:lnRef>
+          <a:fillRef idx="1">
+            <a:schemeClr val="accent1"/>
+          </a:fillRef>
+          <a:effectRef idx="0">
+            <a:schemeClr val="accent1"/>
+          </a:effectRef>
+          <a:fontRef idx="minor">
+            <a:schemeClr val="lt1"/>
+          </a:fontRef>
+        </p:style>
+        <p:txBody>
+          <a:bodyPr rtlCol="0" anchor="ctr"/>
+          <a:lstStyle/>
+          <a:p>
+            <a:pPr algn="ctr"/>
+            <a:endParaRPr lang="es-CL"/>
+          </a:p>
+        </p:txBody>
+      </p:sp>
+      <p:sp>
+        <p:nvSpPr>
+          <p:cNvPr id="48" name="CuadroTexto 34">
+            <a:extLst>
+              <a:ext uri="{FF2B5EF4-FFF2-40B4-BE49-F238E27FC236}">
+                <a16:creationId xmlns:a16="http://schemas.microsoft.com/office/drawing/2014/main" id="{1DF0899B-AAB9-47DC-9C02-87CD685561AA}"/>
+              </a:ext>
+            </a:extLst>
+          </p:cNvPr>
+          <p:cNvSpPr txBox="1"/>
+          <p:nvPr/>
+        </p:nvSpPr>
+        <p:spPr>
+          <a:xfrm>
+            <a:off x="7848679" y="4675127"/>
+            <a:ext cx="2382612" cy="307777"/>
+          </a:xfrm>
+          <a:prstGeom prst="rect">
+            <a:avLst/>
+          </a:prstGeom>
+          <a:noFill/>
+        </p:spPr>
+        <p:txBody>
+          <a:bodyPr wrap="square" rtlCol="0">
+            <a:spAutoFit/>
+          </a:bodyPr>
+          <a:lstStyle/>
+          <a:p>
+            <a:pPr marL="285750" indent="-285750">
+              <a:buFont typeface="Arial" panose="020B0604020202020204" pitchFamily="34" charset="0"/>
+              <a:buChar char="•"/>
+            </a:pPr>
+            <a:r>
+              <a:rPr lang="es-ES" sz="1400" dirty="0">
+                <a:solidFill>
+                  <a:srgbClr val="002060"/>
+                </a:solidFill>
+              </a:rPr>
+              <a:t>Incremento del Producto </a:t>
+            </a:r>
+          </a:p>
+        </p:txBody>
+      </p:sp>
+      <p:sp>
+        <p:nvSpPr>
+          <p:cNvPr id="50" name="Rectángulo: esquinas redondeadas 30">
+            <a:extLst>
+              <a:ext uri="{FF2B5EF4-FFF2-40B4-BE49-F238E27FC236}">
+                <a16:creationId xmlns:a16="http://schemas.microsoft.com/office/drawing/2014/main" id="{13BE217D-A1A5-4918-8F2E-116DF40471CA}"/>
+              </a:ext>
+            </a:extLst>
+          </p:cNvPr>
+          <p:cNvSpPr/>
+          <p:nvPr/>
+        </p:nvSpPr>
+        <p:spPr>
+          <a:xfrm>
+            <a:off x="589826" y="3906376"/>
+            <a:ext cx="2166083" cy="1090479"/>
+          </a:xfrm>
+          <a:prstGeom prst="roundRect">
+            <a:avLst/>
+          </a:prstGeom>
+          <a:noFill/>
+        </p:spPr>
+        <p:style>
+          <a:lnRef idx="2">
+            <a:schemeClr val="accent1">
+              <a:shade val="50000"/>
+            </a:schemeClr>
+          </a:lnRef>
+          <a:fillRef idx="1">
+            <a:schemeClr val="accent1"/>
+          </a:fillRef>
+          <a:effectRef idx="0">
+            <a:schemeClr val="accent1"/>
+          </a:effectRef>
+          <a:fontRef idx="minor">
+            <a:schemeClr val="lt1"/>
+          </a:fontRef>
+        </p:style>
+        <p:txBody>
+          <a:bodyPr rtlCol="0" anchor="ctr"/>
+          <a:lstStyle/>
+          <a:p>
+            <a:pPr algn="ctr"/>
+            <a:endParaRPr lang="es-CL"/>
+          </a:p>
+        </p:txBody>
+      </p:sp>
+      <p:sp>
+        <p:nvSpPr>
+          <p:cNvPr id="52" name="CuadroTexto 34">
+            <a:extLst>
+              <a:ext uri="{FF2B5EF4-FFF2-40B4-BE49-F238E27FC236}">
+                <a16:creationId xmlns:a16="http://schemas.microsoft.com/office/drawing/2014/main" id="{B9927FF3-90D4-4DF8-B481-AF28B4E61F16}"/>
+              </a:ext>
+            </a:extLst>
+          </p:cNvPr>
+          <p:cNvSpPr txBox="1"/>
+          <p:nvPr/>
+        </p:nvSpPr>
+        <p:spPr>
+          <a:xfrm>
+            <a:off x="617802" y="3953036"/>
+            <a:ext cx="2166084" cy="954107"/>
+          </a:xfrm>
+          <a:prstGeom prst="rect">
+            <a:avLst/>
+          </a:prstGeom>
+          <a:noFill/>
+        </p:spPr>
+        <p:txBody>
+          <a:bodyPr wrap="square" rtlCol="0">
+            <a:spAutoFit/>
+          </a:bodyPr>
+          <a:lstStyle/>
+          <a:p>
+            <a:pPr marL="285750" indent="-285750">
+              <a:buFont typeface="Arial" panose="020B0604020202020204" pitchFamily="34" charset="0"/>
+              <a:buChar char="•"/>
+            </a:pPr>
+            <a:r>
+              <a:rPr lang="es-ES" sz="1400" dirty="0">
+                <a:solidFill>
+                  <a:srgbClr val="002060"/>
+                </a:solidFill>
+              </a:rPr>
+              <a:t>Backlog de Historias / Actividades</a:t>
+            </a:r>
+          </a:p>
+          <a:p>
+            <a:pPr marL="285750" indent="-285750">
+              <a:buFont typeface="Arial" panose="020B0604020202020204" pitchFamily="34" charset="0"/>
+              <a:buChar char="•"/>
+            </a:pPr>
+            <a:r>
+              <a:rPr lang="es-ES" sz="1400" dirty="0">
+                <a:solidFill>
+                  <a:srgbClr val="002060"/>
+                </a:solidFill>
+              </a:rPr>
+              <a:t>Reunión de Planificación del Sprint</a:t>
+            </a:r>
+          </a:p>
+        </p:txBody>
+      </p:sp>
+    </p:spTree>
+    <p:extLst>
+      <p:ext uri="{BB962C8B-B14F-4D97-AF65-F5344CB8AC3E}">
+        <p14:creationId xmlns:p14="http://schemas.microsoft.com/office/powerpoint/2010/main" val="3905375318"/>
+      </p:ext>
+    </p:extLst>
+  </p:cSld>
+  <p:clrMapOvr>
+    <a:masterClrMapping/>
+  </p:clrMapOvr>
+</p:sld>
+</file>
+
+<file path=ppt/slides/slide5.xml><?xml version="1.0" encoding="utf-8"?>
+<p:sld xmlns:a="http://schemas.openxmlformats.org/drawingml/2006/main" xmlns:r="http://schemas.openxmlformats.org/officeDocument/2006/relationships" xmlns:p="http://schemas.openxmlformats.org/presentationml/2006/main">
+  <p:cSld>
+    <p:spTree>
+      <p:nvGrpSpPr>
+        <p:cNvPr id="1" name=""/>
+        <p:cNvGrpSpPr/>
+        <p:nvPr/>
+      </p:nvGrpSpPr>
+      <p:grpSpPr>
+        <a:xfrm>
+          <a:off x="0" y="0"/>
+          <a:ext cx="0" cy="0"/>
+          <a:chOff x="0" y="0"/>
+          <a:chExt cx="0" cy="0"/>
+        </a:xfrm>
+      </p:grpSpPr>
+      <p:sp>
+        <p:nvSpPr>
+          <p:cNvPr id="7" name="Rectángulo 6">
+            <a:extLst>
+              <a:ext uri="{FF2B5EF4-FFF2-40B4-BE49-F238E27FC236}">
+                <a16:creationId xmlns:a16="http://schemas.microsoft.com/office/drawing/2014/main" id="{8978DCAB-0589-45B8-BB73-4444FC830E9D}"/>
+              </a:ext>
+            </a:extLst>
+          </p:cNvPr>
+          <p:cNvSpPr/>
+          <p:nvPr/>
+        </p:nvSpPr>
+        <p:spPr>
+          <a:xfrm>
+            <a:off x="152400" y="152400"/>
+            <a:ext cx="653228" cy="668694"/>
+          </a:xfrm>
+          <a:prstGeom prst="rect">
+            <a:avLst/>
+          </a:prstGeom>
+        </p:spPr>
+        <p:style>
+          <a:lnRef idx="2">
+            <a:schemeClr val="accent6">
+              <a:shade val="50000"/>
+            </a:schemeClr>
+          </a:lnRef>
+          <a:fillRef idx="1">
+            <a:schemeClr val="accent6"/>
+          </a:fillRef>
+          <a:effectRef idx="0">
+            <a:schemeClr val="accent6"/>
+          </a:effectRef>
+          <a:fontRef idx="minor">
+            <a:schemeClr val="lt1"/>
+          </a:fontRef>
+        </p:style>
+        <p:txBody>
+          <a:bodyPr rtlCol="0" anchor="ctr"/>
+          <a:lstStyle/>
+          <a:p>
+            <a:pPr algn="ctr"/>
+            <a:endParaRPr lang="es-CL"/>
+          </a:p>
+        </p:txBody>
+      </p:sp>
+      <p:sp>
+        <p:nvSpPr>
+          <p:cNvPr id="9" name="Rectángulo 8">
+            <a:extLst>
+              <a:ext uri="{FF2B5EF4-FFF2-40B4-BE49-F238E27FC236}">
+                <a16:creationId xmlns:a16="http://schemas.microsoft.com/office/drawing/2014/main" id="{ACE7E039-9C9F-418F-BCDF-B1155D63B7D6}"/>
+              </a:ext>
+            </a:extLst>
+          </p:cNvPr>
+          <p:cNvSpPr/>
+          <p:nvPr/>
+        </p:nvSpPr>
+        <p:spPr>
+          <a:xfrm>
+            <a:off x="11286931" y="152400"/>
+            <a:ext cx="653228" cy="668694"/>
+          </a:xfrm>
+          <a:prstGeom prst="rect">
+            <a:avLst/>
+          </a:prstGeom>
+        </p:spPr>
+        <p:style>
+          <a:lnRef idx="2">
+            <a:schemeClr val="accent6">
+              <a:shade val="50000"/>
+            </a:schemeClr>
+          </a:lnRef>
+          <a:fillRef idx="1">
+            <a:schemeClr val="accent6"/>
+          </a:fillRef>
+          <a:effectRef idx="0">
+            <a:schemeClr val="accent6"/>
+          </a:effectRef>
+          <a:fontRef idx="minor">
+            <a:schemeClr val="lt1"/>
+          </a:fontRef>
+        </p:style>
+        <p:txBody>
+          <a:bodyPr rtlCol="0" anchor="ctr"/>
+          <a:lstStyle/>
+          <a:p>
+            <a:pPr algn="ctr"/>
+            <a:endParaRPr lang="es-CL"/>
+          </a:p>
+        </p:txBody>
+      </p:sp>
+      <p:sp>
+        <p:nvSpPr>
+          <p:cNvPr id="11" name="Rectángulo 10">
+            <a:extLst>
+              <a:ext uri="{FF2B5EF4-FFF2-40B4-BE49-F238E27FC236}">
+                <a16:creationId xmlns:a16="http://schemas.microsoft.com/office/drawing/2014/main" id="{93B75E76-4122-4EE8-A978-62BAE8F0D97B}"/>
+              </a:ext>
+            </a:extLst>
+          </p:cNvPr>
+          <p:cNvSpPr/>
+          <p:nvPr/>
+        </p:nvSpPr>
+        <p:spPr>
+          <a:xfrm>
+            <a:off x="10556033" y="152400"/>
+            <a:ext cx="653228" cy="668694"/>
+          </a:xfrm>
+          <a:prstGeom prst="rect">
+            <a:avLst/>
+          </a:prstGeom>
+          <a:solidFill>
+            <a:schemeClr val="accent1"/>
+          </a:solidFill>
+        </p:spPr>
+        <p:style>
+          <a:lnRef idx="2">
+            <a:schemeClr val="accent6">
+              <a:shade val="50000"/>
+            </a:schemeClr>
+          </a:lnRef>
+          <a:fillRef idx="1">
+            <a:schemeClr val="accent6"/>
+          </a:fillRef>
+          <a:effectRef idx="0">
+            <a:schemeClr val="accent6"/>
+          </a:effectRef>
+          <a:fontRef idx="minor">
+            <a:schemeClr val="lt1"/>
+          </a:fontRef>
+        </p:style>
+        <p:txBody>
+          <a:bodyPr rtlCol="0" anchor="ctr"/>
+          <a:lstStyle/>
+          <a:p>
+            <a:pPr algn="ctr"/>
+            <a:endParaRPr lang="es-CL"/>
+          </a:p>
+        </p:txBody>
+      </p:sp>
+      <p:pic>
+        <p:nvPicPr>
+          <p:cNvPr id="13" name="Imagen 12">
+            <a:extLst>
+              <a:ext uri="{FF2B5EF4-FFF2-40B4-BE49-F238E27FC236}">
+                <a16:creationId xmlns:a16="http://schemas.microsoft.com/office/drawing/2014/main" id="{CF8D6E2A-907A-4262-B552-570802735EE8}"/>
+              </a:ext>
+            </a:extLst>
+          </p:cNvPr>
+          <p:cNvPicPr>
+            <a:picLocks noChangeAspect="1"/>
+          </p:cNvPicPr>
+          <p:nvPr/>
+        </p:nvPicPr>
+        <p:blipFill>
+          <a:blip r:embed="rId2">
+            <a:extLst>
+              <a:ext uri="{28A0092B-C50C-407E-A947-70E740481C1C}">
+                <a14:useLocalDpi xmlns:a14="http://schemas.microsoft.com/office/drawing/2010/main" val="0"/>
+              </a:ext>
+            </a:extLst>
+          </a:blip>
+          <a:stretch>
+            <a:fillRect/>
+          </a:stretch>
+        </p:blipFill>
+        <p:spPr>
+          <a:xfrm>
+            <a:off x="8336338" y="115076"/>
+            <a:ext cx="2180860" cy="805970"/>
+          </a:xfrm>
+          <a:prstGeom prst="rect">
+            <a:avLst/>
+          </a:prstGeom>
+        </p:spPr>
+      </p:pic>
+      <p:sp>
+        <p:nvSpPr>
+          <p:cNvPr id="14" name="Elipse 13">
+            <a:extLst>
+              <a:ext uri="{FF2B5EF4-FFF2-40B4-BE49-F238E27FC236}">
+                <a16:creationId xmlns:a16="http://schemas.microsoft.com/office/drawing/2014/main" id="{C0EAB733-DC67-417A-AAAE-60F6C4D9DDA4}"/>
+              </a:ext>
+            </a:extLst>
+          </p:cNvPr>
+          <p:cNvSpPr/>
+          <p:nvPr/>
+        </p:nvSpPr>
+        <p:spPr>
+          <a:xfrm>
+            <a:off x="1707502" y="2015407"/>
+            <a:ext cx="289249" cy="289249"/>
+          </a:xfrm>
+          <a:prstGeom prst="ellipse">
+            <a:avLst/>
+          </a:prstGeom>
+          <a:solidFill>
+            <a:schemeClr val="accent6"/>
+          </a:solidFill>
+          <a:ln w="31750"/>
+        </p:spPr>
+        <p:style>
+          <a:lnRef idx="2">
+            <a:schemeClr val="accent1">
+              <a:shade val="50000"/>
+            </a:schemeClr>
+          </a:lnRef>
+          <a:fillRef idx="1">
+            <a:schemeClr val="accent1"/>
+          </a:fillRef>
+          <a:effectRef idx="0">
+            <a:schemeClr val="accent1"/>
+          </a:effectRef>
+          <a:fontRef idx="minor">
+            <a:schemeClr val="lt1"/>
+          </a:fontRef>
+        </p:style>
+        <p:txBody>
+          <a:bodyPr rtlCol="0" anchor="ctr"/>
+          <a:lstStyle/>
+          <a:p>
+            <a:pPr algn="ctr"/>
+            <a:r>
+              <a:rPr lang="es-ES" b="1" dirty="0"/>
+              <a:t>3</a:t>
+            </a:r>
+            <a:endParaRPr lang="es-CL" b="1" dirty="0"/>
+          </a:p>
+        </p:txBody>
+      </p:sp>
+      <p:sp>
+        <p:nvSpPr>
+          <p:cNvPr id="15" name="CuadroTexto 14">
+            <a:extLst>
+              <a:ext uri="{FF2B5EF4-FFF2-40B4-BE49-F238E27FC236}">
+                <a16:creationId xmlns:a16="http://schemas.microsoft.com/office/drawing/2014/main" id="{101B8864-9E71-4929-8AB4-D8DBCF2094D8}"/>
+              </a:ext>
+            </a:extLst>
+          </p:cNvPr>
+          <p:cNvSpPr txBox="1"/>
+          <p:nvPr/>
+        </p:nvSpPr>
+        <p:spPr>
+          <a:xfrm>
+            <a:off x="2127379" y="1919869"/>
+            <a:ext cx="5516510" cy="461665"/>
+          </a:xfrm>
+          <a:prstGeom prst="rect">
+            <a:avLst/>
+          </a:prstGeom>
+          <a:noFill/>
+        </p:spPr>
+        <p:txBody>
+          <a:bodyPr wrap="none" rtlCol="0">
+            <a:spAutoFit/>
+          </a:bodyPr>
+          <a:lstStyle/>
+          <a:p>
+            <a:r>
+              <a:rPr lang="es-ES" sz="2400" dirty="0"/>
+              <a:t>Diseño de las pantallas &amp; Modelo de Datos</a:t>
             </a:r>
             <a:endParaRPr lang="es-CL" sz="2400" dirty="0"/>
           </a:p>
@@ -5276,7 +6741,7 @@
         </p:nvGrpSpPr>
         <p:grpSpPr>
           <a:xfrm>
-            <a:off x="3990590" y="3088432"/>
+            <a:off x="4662901" y="3088432"/>
             <a:ext cx="2569536" cy="2248677"/>
             <a:chOff x="2304661" y="3284376"/>
             <a:chExt cx="2569536" cy="2248677"/>
@@ -5424,10 +6889,10 @@
         </p:nvGrpSpPr>
         <p:grpSpPr>
           <a:xfrm>
-            <a:off x="5925137" y="3092322"/>
-            <a:ext cx="2569536" cy="2248677"/>
+            <a:off x="7342824" y="3088432"/>
+            <a:ext cx="2271247" cy="2248677"/>
             <a:chOff x="2304661" y="3284376"/>
-            <a:chExt cx="2569536" cy="2248677"/>
+            <a:chExt cx="2271247" cy="2248677"/>
           </a:xfrm>
         </p:grpSpPr>
         <p:sp>
@@ -5527,7 +6992,7 @@
           </p:nvSpPr>
           <p:spPr>
             <a:xfrm>
-              <a:off x="2715208" y="3525421"/>
+              <a:off x="2416919" y="3542010"/>
               <a:ext cx="2158989" cy="307777"/>
             </a:xfrm>
             <a:prstGeom prst="rect">
@@ -5547,7 +7012,7 @@
                     <a:srgbClr val="002060"/>
                   </a:solidFill>
                 </a:rPr>
-                <a:t>Mockups</a:t>
+                <a:t>Modelo de Datos</a:t>
               </a:r>
               <a:endParaRPr lang="es-CL" sz="1400" dirty="0">
                 <a:solidFill>
@@ -5572,7 +7037,7 @@
         </p:nvSpPr>
         <p:spPr>
           <a:xfrm>
-            <a:off x="5925137" y="3868447"/>
+            <a:off x="7342824" y="3783277"/>
             <a:ext cx="2158989" cy="738664"/>
           </a:xfrm>
           <a:prstGeom prst="rect">
@@ -5602,7 +7067,7 @@
                   <a:srgbClr val="002060"/>
                 </a:solidFill>
               </a:rPr>
-              <a:t>Figma</a:t>
+              <a:t>QuickDBD</a:t>
             </a:r>
             <a:endParaRPr lang="es-ES" sz="1400" dirty="0">
               <a:solidFill>
@@ -5633,7 +7098,7 @@
         </p:nvSpPr>
         <p:spPr>
           <a:xfrm>
-            <a:off x="3990590" y="3877777"/>
+            <a:off x="4662901" y="3877777"/>
             <a:ext cx="2158989" cy="738664"/>
           </a:xfrm>
           <a:prstGeom prst="rect">
@@ -5761,6 +7226,98 @@
                 <a:srgbClr val="002060"/>
               </a:solidFill>
             </a:endParaRPr>
+          </a:p>
+        </p:txBody>
+      </p:sp>
+      <p:sp>
+        <p:nvSpPr>
+          <p:cNvPr id="6" name="Seta: para a Direita 5">
+            <a:extLst>
+              <a:ext uri="{FF2B5EF4-FFF2-40B4-BE49-F238E27FC236}">
+                <a16:creationId xmlns:a16="http://schemas.microsoft.com/office/drawing/2014/main" id="{31DB9B2D-497C-4A52-8003-A52F102428DC}"/>
+              </a:ext>
+            </a:extLst>
+          </p:cNvPr>
+          <p:cNvSpPr/>
+          <p:nvPr/>
+        </p:nvSpPr>
+        <p:spPr>
+          <a:xfrm>
+            <a:off x="4023360" y="3887107"/>
+            <a:ext cx="447040" cy="671650"/>
+          </a:xfrm>
+          <a:prstGeom prst="rightArrow">
+            <a:avLst/>
+          </a:prstGeom>
+        </p:spPr>
+        <p:style>
+          <a:lnRef idx="2">
+            <a:schemeClr val="accent1">
+              <a:shade val="50000"/>
+            </a:schemeClr>
+          </a:lnRef>
+          <a:fillRef idx="1">
+            <a:schemeClr val="accent1"/>
+          </a:fillRef>
+          <a:effectRef idx="0">
+            <a:schemeClr val="accent1"/>
+          </a:effectRef>
+          <a:fontRef idx="minor">
+            <a:schemeClr val="lt1"/>
+          </a:fontRef>
+        </p:style>
+        <p:txBody>
+          <a:bodyPr rtlCol="0" anchor="ctr"/>
+          <a:lstStyle/>
+          <a:p>
+            <a:pPr algn="ctr"/>
+            <a:endParaRPr lang="pt-BR"/>
+          </a:p>
+        </p:txBody>
+      </p:sp>
+      <p:sp>
+        <p:nvSpPr>
+          <p:cNvPr id="8" name="Seta: para a Direita 7">
+            <a:extLst>
+              <a:ext uri="{FF2B5EF4-FFF2-40B4-BE49-F238E27FC236}">
+                <a16:creationId xmlns:a16="http://schemas.microsoft.com/office/drawing/2014/main" id="{9780E13E-7002-49E6-A679-F6F2BDB3F66B}"/>
+              </a:ext>
+            </a:extLst>
+          </p:cNvPr>
+          <p:cNvSpPr/>
+          <p:nvPr/>
+        </p:nvSpPr>
+        <p:spPr>
+          <a:xfrm>
+            <a:off x="6720405" y="3887107"/>
+            <a:ext cx="447040" cy="671650"/>
+          </a:xfrm>
+          <a:prstGeom prst="rightArrow">
+            <a:avLst/>
+          </a:prstGeom>
+        </p:spPr>
+        <p:style>
+          <a:lnRef idx="2">
+            <a:schemeClr val="accent1">
+              <a:shade val="50000"/>
+            </a:schemeClr>
+          </a:lnRef>
+          <a:fillRef idx="1">
+            <a:schemeClr val="accent1"/>
+          </a:fillRef>
+          <a:effectRef idx="0">
+            <a:schemeClr val="accent1"/>
+          </a:effectRef>
+          <a:fontRef idx="minor">
+            <a:schemeClr val="lt1"/>
+          </a:fontRef>
+        </p:style>
+        <p:txBody>
+          <a:bodyPr rtlCol="0" anchor="ctr"/>
+          <a:lstStyle/>
+          <a:p>
+            <a:pPr algn="ctr"/>
+            <a:endParaRPr lang="pt-BR"/>
           </a:p>
         </p:txBody>
       </p:sp>
@@ -5777,7 +7334,7 @@
 </p:sld>
 </file>
 
-<file path=ppt/slides/slide5.xml><?xml version="1.0" encoding="utf-8"?>
+<file path=ppt/slides/slide6.xml><?xml version="1.0" encoding="utf-8"?>
 <p:sld xmlns:a="http://schemas.openxmlformats.org/drawingml/2006/main" xmlns:r="http://schemas.openxmlformats.org/officeDocument/2006/relationships" xmlns:p="http://schemas.openxmlformats.org/presentationml/2006/main">
   <p:cSld>
     <p:spTree>
@@ -6019,7 +7576,7 @@
             <a:pPr algn="ctr"/>
             <a:r>
               <a:rPr lang="es-ES" b="1" dirty="0"/>
-              <a:t>3</a:t>
+              <a:t>4</a:t>
             </a:r>
             <a:endParaRPr lang="es-CL" b="1" dirty="0"/>
           </a:p>
@@ -6298,7 +7855,7 @@
                   <a:srgbClr val="002060"/>
                 </a:solidFill>
               </a:rPr>
-              <a:t>CSS</a:t>
+              <a:t>CSS/SASS</a:t>
             </a:r>
           </a:p>
           <a:p>
@@ -6596,7 +8153,23 @@
                   <a:srgbClr val="002060"/>
                 </a:solidFill>
               </a:rPr>
-              <a:t>Fetch</a:t>
+              <a:t>Styled</a:t>
+            </a:r>
+            <a:r>
+              <a:rPr lang="es-ES" sz="1400" dirty="0">
+                <a:solidFill>
+                  <a:srgbClr val="002060"/>
+                </a:solidFill>
+              </a:rPr>
+              <a:t> </a:t>
+            </a:r>
+            <a:r>
+              <a:rPr lang="es-ES" sz="1400" dirty="0" err="1">
+                <a:solidFill>
+                  <a:srgbClr val="002060"/>
+                </a:solidFill>
+              </a:rPr>
+              <a:t>Components</a:t>
             </a:r>
             <a:endParaRPr lang="es-ES" sz="1400" dirty="0">
               <a:solidFill>
@@ -6633,7 +8206,7 @@
 </p:sld>
 </file>
 
-<file path=ppt/slides/slide6.xml><?xml version="1.0" encoding="utf-8"?>
+<file path=ppt/slides/slide7.xml><?xml version="1.0" encoding="utf-8"?>
 <p:sld xmlns:a="http://schemas.openxmlformats.org/drawingml/2006/main" xmlns:r="http://schemas.openxmlformats.org/officeDocument/2006/relationships" xmlns:p="http://schemas.openxmlformats.org/presentationml/2006/main">
   <p:cSld>
     <p:spTree>
@@ -6875,7 +8448,7 @@
             <a:pPr algn="ctr"/>
             <a:r>
               <a:rPr lang="es-ES" b="1" dirty="0"/>
-              <a:t>4</a:t>
+              <a:t>5</a:t>
             </a:r>
             <a:endParaRPr lang="es-CL" b="1" dirty="0"/>
           </a:p>
